--- a/Lectures/DEPH 312 Lecture 11 Foundations of Biostatistics IV.pptx
+++ b/Lectures/DEPH 312 Lecture 11 Foundations of Biostatistics IV.pptx
@@ -185,13 +185,108 @@
 <file path=ppt/revisionInfo.xml><?xml version="1.0" encoding="utf-8"?>
 <p1510:revInfo xmlns:a="http://schemas.openxmlformats.org/drawingml/2006/main" xmlns:r="http://schemas.openxmlformats.org/officeDocument/2006/relationships" xmlns:p1510="http://schemas.microsoft.com/office/powerpoint/2015/10/main">
   <p1510:revLst>
-    <p1510:client id="{72941116-BAA5-4EB8-8818-E18BB163A759}" v="40" dt="2023-01-04T16:52:31.113"/>
+    <p1510:client id="{66A66C1D-5A88-403A-8D41-876F83F26C5C}" v="2" dt="2023-11-20T16:49:08.984"/>
   </p1510:revLst>
 </p1510:revInfo>
 </file>
 
 <file path=ppt/changesInfos/changesInfo1.xml><?xml version="1.0" encoding="utf-8"?>
 <pc:chgInfo xmlns:a="http://schemas.openxmlformats.org/drawingml/2006/main" xmlns:r="http://schemas.openxmlformats.org/officeDocument/2006/relationships" xmlns:ac="http://schemas.microsoft.com/office/drawing/2013/main/command" xmlns:pc="http://schemas.microsoft.com/office/powerpoint/2013/main/command">
+  <pc:docChgLst>
+    <pc:chgData name="Dr. Talal Saleh Alshihayb" userId="8b043d94-c3bc-4766-b109-9fc93264eb2d" providerId="ADAL" clId="{66A66C1D-5A88-403A-8D41-876F83F26C5C}"/>
+    <pc:docChg chg="custSel modSld">
+      <pc:chgData name="Dr. Talal Saleh Alshihayb" userId="8b043d94-c3bc-4766-b109-9fc93264eb2d" providerId="ADAL" clId="{66A66C1D-5A88-403A-8D41-876F83F26C5C}" dt="2023-11-22T10:53:10.262" v="74" actId="404"/>
+      <pc:docMkLst>
+        <pc:docMk/>
+      </pc:docMkLst>
+      <pc:sldChg chg="addSp delSp modSp mod">
+        <pc:chgData name="Dr. Talal Saleh Alshihayb" userId="8b043d94-c3bc-4766-b109-9fc93264eb2d" providerId="ADAL" clId="{66A66C1D-5A88-403A-8D41-876F83F26C5C}" dt="2023-11-22T10:53:10.262" v="74" actId="404"/>
+        <pc:sldMkLst>
+          <pc:docMk/>
+          <pc:sldMk cId="1929648928" sldId="455"/>
+        </pc:sldMkLst>
+        <pc:spChg chg="mod">
+          <ac:chgData name="Dr. Talal Saleh Alshihayb" userId="8b043d94-c3bc-4766-b109-9fc93264eb2d" providerId="ADAL" clId="{66A66C1D-5A88-403A-8D41-876F83F26C5C}" dt="2023-11-20T21:03:18.155" v="72" actId="14100"/>
+          <ac:spMkLst>
+            <pc:docMk/>
+            <pc:sldMk cId="1929648928" sldId="455"/>
+            <ac:spMk id="2" creationId="{8D4D7CA5-E776-45DC-8A6F-61F81BE0ACA9}"/>
+          </ac:spMkLst>
+        </pc:spChg>
+        <pc:spChg chg="del">
+          <ac:chgData name="Dr. Talal Saleh Alshihayb" userId="8b043d94-c3bc-4766-b109-9fc93264eb2d" providerId="ADAL" clId="{66A66C1D-5A88-403A-8D41-876F83F26C5C}" dt="2023-11-20T16:49:00.174" v="2" actId="478"/>
+          <ac:spMkLst>
+            <pc:docMk/>
+            <pc:sldMk cId="1929648928" sldId="455"/>
+            <ac:spMk id="3" creationId="{35C1F8C3-0544-41D9-8002-87D4C6DBA6D6}"/>
+          </ac:spMkLst>
+        </pc:spChg>
+        <pc:spChg chg="del">
+          <ac:chgData name="Dr. Talal Saleh Alshihayb" userId="8b043d94-c3bc-4766-b109-9fc93264eb2d" providerId="ADAL" clId="{66A66C1D-5A88-403A-8D41-876F83F26C5C}" dt="2023-11-20T16:49:00.174" v="2" actId="478"/>
+          <ac:spMkLst>
+            <pc:docMk/>
+            <pc:sldMk cId="1929648928" sldId="455"/>
+            <ac:spMk id="8" creationId="{3020DE8D-E33C-47D7-8C72-0C3093FD020C}"/>
+          </ac:spMkLst>
+        </pc:spChg>
+        <pc:spChg chg="add del mod">
+          <ac:chgData name="Dr. Talal Saleh Alshihayb" userId="8b043d94-c3bc-4766-b109-9fc93264eb2d" providerId="ADAL" clId="{66A66C1D-5A88-403A-8D41-876F83F26C5C}" dt="2023-11-20T16:49:02.706" v="3" actId="478"/>
+          <ac:spMkLst>
+            <pc:docMk/>
+            <pc:sldMk cId="1929648928" sldId="455"/>
+            <ac:spMk id="9" creationId="{D64E654F-3122-F660-C29F-24F11C674FE4}"/>
+          </ac:spMkLst>
+        </pc:spChg>
+        <pc:spChg chg="add mod">
+          <ac:chgData name="Dr. Talal Saleh Alshihayb" userId="8b043d94-c3bc-4766-b109-9fc93264eb2d" providerId="ADAL" clId="{66A66C1D-5A88-403A-8D41-876F83F26C5C}" dt="2023-11-22T10:53:10.262" v="74" actId="404"/>
+          <ac:spMkLst>
+            <pc:docMk/>
+            <pc:sldMk cId="1929648928" sldId="455"/>
+            <ac:spMk id="10" creationId="{A5006650-BCF6-F87E-E31C-7A475E9C1DC2}"/>
+          </ac:spMkLst>
+        </pc:spChg>
+        <pc:spChg chg="add mod">
+          <ac:chgData name="Dr. Talal Saleh Alshihayb" userId="8b043d94-c3bc-4766-b109-9fc93264eb2d" providerId="ADAL" clId="{66A66C1D-5A88-403A-8D41-876F83F26C5C}" dt="2023-11-20T16:49:08.984" v="4"/>
+          <ac:spMkLst>
+            <pc:docMk/>
+            <pc:sldMk cId="1929648928" sldId="455"/>
+            <ac:spMk id="11" creationId="{E65068E6-40D4-C473-DD60-6E1C05F6B84C}"/>
+          </ac:spMkLst>
+        </pc:spChg>
+        <pc:spChg chg="add mod">
+          <ac:chgData name="Dr. Talal Saleh Alshihayb" userId="8b043d94-c3bc-4766-b109-9fc93264eb2d" providerId="ADAL" clId="{66A66C1D-5A88-403A-8D41-876F83F26C5C}" dt="2023-11-22T10:53:07.188" v="73" actId="20577"/>
+          <ac:spMkLst>
+            <pc:docMk/>
+            <pc:sldMk cId="1929648928" sldId="455"/>
+            <ac:spMk id="12" creationId="{D16DA6A1-C8AA-78EA-4ACC-F6B19D5B90BF}"/>
+          </ac:spMkLst>
+        </pc:spChg>
+        <pc:picChg chg="add mod">
+          <ac:chgData name="Dr. Talal Saleh Alshihayb" userId="8b043d94-c3bc-4766-b109-9fc93264eb2d" providerId="ADAL" clId="{66A66C1D-5A88-403A-8D41-876F83F26C5C}" dt="2023-11-20T16:48:53.811" v="1"/>
+          <ac:picMkLst>
+            <pc:docMk/>
+            <pc:sldMk cId="1929648928" sldId="455"/>
+            <ac:picMk id="5" creationId="{4A1A2BC9-F6AF-FA6E-86C4-BEEFA4CFA2D8}"/>
+          </ac:picMkLst>
+        </pc:picChg>
+      </pc:sldChg>
+      <pc:sldChg chg="modSp mod">
+        <pc:chgData name="Dr. Talal Saleh Alshihayb" userId="8b043d94-c3bc-4766-b109-9fc93264eb2d" providerId="ADAL" clId="{66A66C1D-5A88-403A-8D41-876F83F26C5C}" dt="2023-11-20T17:50:48.283" v="71" actId="12"/>
+        <pc:sldMkLst>
+          <pc:docMk/>
+          <pc:sldMk cId="2625999319" sldId="456"/>
+        </pc:sldMkLst>
+        <pc:spChg chg="mod">
+          <ac:chgData name="Dr. Talal Saleh Alshihayb" userId="8b043d94-c3bc-4766-b109-9fc93264eb2d" providerId="ADAL" clId="{66A66C1D-5A88-403A-8D41-876F83F26C5C}" dt="2023-11-20T17:50:48.283" v="71" actId="12"/>
+          <ac:spMkLst>
+            <pc:docMk/>
+            <pc:sldMk cId="2625999319" sldId="456"/>
+            <ac:spMk id="3" creationId="{C48EBCF3-9263-43D3-96BA-CF39CC27EE58}"/>
+          </ac:spMkLst>
+        </pc:spChg>
+      </pc:sldChg>
+    </pc:docChg>
+  </pc:docChgLst>
   <pc:docChgLst>
     <pc:chgData name="Dr. Talal Saleh Alshihayb" userId="8b043d94-c3bc-4766-b109-9fc93264eb2d" providerId="ADAL" clId="{281A13C7-F1B7-4AE8-AFF6-E90A7EB2698C}"/>
     <pc:docChg chg="custSel delSld modSld">
@@ -2702,7 +2797,7 @@
           <a:p>
             <a:fld id="{D34A93B3-F360-4C9F-A88C-65C67F63D7A0}" type="datetimeFigureOut">
               <a:rPr lang="en-US" smtClean="0"/>
-              <a:t>1/4/2023</a:t>
+              <a:t>11/22/2023</a:t>
             </a:fld>
             <a:endParaRPr lang="en-US"/>
           </a:p>
@@ -3200,7 +3295,7 @@
           <a:p>
             <a:fld id="{65BC8D64-D1A8-489C-9140-8207B0A78A0A}" type="datetimeFigureOut">
               <a:rPr lang="en-US" smtClean="0"/>
-              <a:t>1/4/2023</a:t>
+              <a:t>11/22/2023</a:t>
             </a:fld>
             <a:endParaRPr lang="en-US"/>
           </a:p>
@@ -3398,7 +3493,7 @@
           <a:p>
             <a:fld id="{65BC8D64-D1A8-489C-9140-8207B0A78A0A}" type="datetimeFigureOut">
               <a:rPr lang="en-US" smtClean="0"/>
-              <a:t>1/4/2023</a:t>
+              <a:t>11/22/2023</a:t>
             </a:fld>
             <a:endParaRPr lang="en-US"/>
           </a:p>
@@ -3606,7 +3701,7 @@
           <a:p>
             <a:fld id="{65BC8D64-D1A8-489C-9140-8207B0A78A0A}" type="datetimeFigureOut">
               <a:rPr lang="en-US" smtClean="0"/>
-              <a:t>1/4/2023</a:t>
+              <a:t>11/22/2023</a:t>
             </a:fld>
             <a:endParaRPr lang="en-US"/>
           </a:p>
@@ -3804,7 +3899,7 @@
           <a:p>
             <a:fld id="{65BC8D64-D1A8-489C-9140-8207B0A78A0A}" type="datetimeFigureOut">
               <a:rPr lang="en-US" smtClean="0"/>
-              <a:t>1/4/2023</a:t>
+              <a:t>11/22/2023</a:t>
             </a:fld>
             <a:endParaRPr lang="en-US"/>
           </a:p>
@@ -4079,7 +4174,7 @@
           <a:p>
             <a:fld id="{65BC8D64-D1A8-489C-9140-8207B0A78A0A}" type="datetimeFigureOut">
               <a:rPr lang="en-US" smtClean="0"/>
-              <a:t>1/4/2023</a:t>
+              <a:t>11/22/2023</a:t>
             </a:fld>
             <a:endParaRPr lang="en-US"/>
           </a:p>
@@ -4344,7 +4439,7 @@
           <a:p>
             <a:fld id="{65BC8D64-D1A8-489C-9140-8207B0A78A0A}" type="datetimeFigureOut">
               <a:rPr lang="en-US" smtClean="0"/>
-              <a:t>1/4/2023</a:t>
+              <a:t>11/22/2023</a:t>
             </a:fld>
             <a:endParaRPr lang="en-US"/>
           </a:p>
@@ -4756,7 +4851,7 @@
           <a:p>
             <a:fld id="{65BC8D64-D1A8-489C-9140-8207B0A78A0A}" type="datetimeFigureOut">
               <a:rPr lang="en-US" smtClean="0"/>
-              <a:t>1/4/2023</a:t>
+              <a:t>11/22/2023</a:t>
             </a:fld>
             <a:endParaRPr lang="en-US"/>
           </a:p>
@@ -4897,7 +4992,7 @@
           <a:p>
             <a:fld id="{65BC8D64-D1A8-489C-9140-8207B0A78A0A}" type="datetimeFigureOut">
               <a:rPr lang="en-US" smtClean="0"/>
-              <a:t>1/4/2023</a:t>
+              <a:t>11/22/2023</a:t>
             </a:fld>
             <a:endParaRPr lang="en-US"/>
           </a:p>
@@ -5010,7 +5105,7 @@
           <a:p>
             <a:fld id="{65BC8D64-D1A8-489C-9140-8207B0A78A0A}" type="datetimeFigureOut">
               <a:rPr lang="en-US" smtClean="0"/>
-              <a:t>1/4/2023</a:t>
+              <a:t>11/22/2023</a:t>
             </a:fld>
             <a:endParaRPr lang="en-US"/>
           </a:p>
@@ -5321,7 +5416,7 @@
           <a:p>
             <a:fld id="{65BC8D64-D1A8-489C-9140-8207B0A78A0A}" type="datetimeFigureOut">
               <a:rPr lang="en-US" smtClean="0"/>
-              <a:t>1/4/2023</a:t>
+              <a:t>11/22/2023</a:t>
             </a:fld>
             <a:endParaRPr lang="en-US"/>
           </a:p>
@@ -5609,7 +5704,7 @@
           <a:p>
             <a:fld id="{65BC8D64-D1A8-489C-9140-8207B0A78A0A}" type="datetimeFigureOut">
               <a:rPr lang="en-US" smtClean="0"/>
-              <a:t>1/4/2023</a:t>
+              <a:t>11/22/2023</a:t>
             </a:fld>
             <a:endParaRPr lang="en-US"/>
           </a:p>
@@ -5850,7 +5945,7 @@
           <a:p>
             <a:fld id="{65BC8D64-D1A8-489C-9140-8207B0A78A0A}" type="datetimeFigureOut">
               <a:rPr lang="en-US" smtClean="0"/>
-              <a:t>1/4/2023</a:t>
+              <a:t>11/22/2023</a:t>
             </a:fld>
             <a:endParaRPr lang="en-US"/>
           </a:p>
@@ -6283,7 +6378,12 @@
             <p:ph type="ctrTitle"/>
           </p:nvPr>
         </p:nvSpPr>
-        <p:spPr/>
+        <p:spPr>
+          <a:xfrm>
+            <a:off x="1523999" y="1122363"/>
+            <a:ext cx="9847561" cy="2387600"/>
+          </a:xfrm>
+        </p:spPr>
         <p:txBody>
           <a:bodyPr>
             <a:noAutofit/>
@@ -6291,50 +6391,21 @@
           <a:lstStyle/>
           <a:p>
             <a:r>
-              <a:rPr lang="en-US" b="1">
+              <a:rPr lang="en-US" b="1" dirty="0">
+                <a:solidFill>
+                  <a:srgbClr val="D76D6F"/>
+                </a:solidFill>
                 <a:latin typeface="Tw Cen MT" panose="020B0602020104020603" pitchFamily="34" charset="0"/>
               </a:rPr>
               <a:t>Foundations of Biostatistics IV</a:t>
             </a:r>
             <a:endParaRPr lang="en-US" b="1" dirty="0">
+              <a:solidFill>
+                <a:srgbClr val="D76D6F"/>
+              </a:solidFill>
               <a:latin typeface="Tw Cen MT" panose="020B0602020104020603" pitchFamily="34" charset="0"/>
               <a:cs typeface="Times New Roman" panose="02020603050405020304" pitchFamily="18" charset="0"/>
             </a:endParaRPr>
-          </a:p>
-        </p:txBody>
-      </p:sp>
-      <p:sp>
-        <p:nvSpPr>
-          <p:cNvPr id="3" name="Subtitle 2">
-            <a:extLst>
-              <a:ext uri="{FF2B5EF4-FFF2-40B4-BE49-F238E27FC236}">
-                <a16:creationId xmlns:a16="http://schemas.microsoft.com/office/drawing/2014/main" id="{35C1F8C3-0544-41D9-8002-87D4C6DBA6D6}"/>
-              </a:ext>
-            </a:extLst>
-          </p:cNvPr>
-          <p:cNvSpPr>
-            <a:spLocks noGrp="1"/>
-          </p:cNvSpPr>
-          <p:nvPr>
-            <p:ph type="subTitle" idx="1"/>
-          </p:nvPr>
-        </p:nvSpPr>
-        <p:spPr/>
-        <p:txBody>
-          <a:bodyPr/>
-          <a:lstStyle/>
-          <a:p>
-            <a:r>
-              <a:rPr lang="en-US" dirty="0"/>
-              <a:t>Talal Alshihayb </a:t>
-            </a:r>
-          </a:p>
-          <a:p>
-            <a:r>
-              <a:rPr lang="en-US"/>
-              <a:t>8 January 2023</a:t>
-            </a:r>
-            <a:endParaRPr lang="en-US" dirty="0"/>
           </a:p>
         </p:txBody>
       </p:sp>
@@ -6537,12 +6608,210 @@
           </a:p>
         </p:txBody>
       </p:sp>
+      <p:pic>
+        <p:nvPicPr>
+          <p:cNvPr id="6" name="Picture 5" descr="A picture containing text, sign, room, gambling house&#10;&#10;Description automatically generated">
+            <a:extLst>
+              <a:ext uri="{FF2B5EF4-FFF2-40B4-BE49-F238E27FC236}">
+                <a16:creationId xmlns:a16="http://schemas.microsoft.com/office/drawing/2014/main" id="{5F0A3871-F91A-4EEB-961E-68BA2AAFF71D}"/>
+              </a:ext>
+            </a:extLst>
+          </p:cNvPr>
+          <p:cNvPicPr>
+            <a:picLocks noChangeAspect="1"/>
+          </p:cNvPicPr>
+          <p:nvPr/>
+        </p:nvPicPr>
+        <p:blipFill>
+          <a:blip r:embed="rId2">
+            <a:extLst>
+              <a:ext uri="{28A0092B-C50C-407E-A947-70E740481C1C}">
+                <a14:useLocalDpi xmlns:a14="http://schemas.microsoft.com/office/drawing/2010/main" val="0"/>
+              </a:ext>
+            </a:extLst>
+          </a:blip>
+          <a:stretch>
+            <a:fillRect/>
+          </a:stretch>
+        </p:blipFill>
+        <p:spPr>
+          <a:xfrm>
+            <a:off x="11500755" y="22997"/>
+            <a:ext cx="670620" cy="685800"/>
+          </a:xfrm>
+          <a:prstGeom prst="rect">
+            <a:avLst/>
+          </a:prstGeom>
+        </p:spPr>
+      </p:pic>
+      <p:pic>
+        <p:nvPicPr>
+          <p:cNvPr id="5" name="Picture 2" descr="C:\Documents and Settings\ahourani\Desktop\GSDM_2.jpg">
+            <a:extLst>
+              <a:ext uri="{FF2B5EF4-FFF2-40B4-BE49-F238E27FC236}">
+                <a16:creationId xmlns:a16="http://schemas.microsoft.com/office/drawing/2014/main" id="{4A1A2BC9-F6AF-FA6E-86C4-BEEFA4CFA2D8}"/>
+              </a:ext>
+            </a:extLst>
+          </p:cNvPr>
+          <p:cNvPicPr>
+            <a:picLocks noChangeAspect="1" noChangeArrowheads="1"/>
+          </p:cNvPicPr>
+          <p:nvPr/>
+        </p:nvPicPr>
+        <p:blipFill>
+          <a:blip r:embed="rId3" cstate="print">
+            <a:extLst>
+              <a:ext uri="{28A0092B-C50C-407E-A947-70E740481C1C}">
+                <a14:useLocalDpi xmlns:a14="http://schemas.microsoft.com/office/drawing/2010/main" val="0"/>
+              </a:ext>
+            </a:extLst>
+          </a:blip>
+          <a:srcRect/>
+          <a:stretch>
+            <a:fillRect/>
+          </a:stretch>
+        </p:blipFill>
+        <p:spPr bwMode="auto">
+          <a:xfrm>
+            <a:off x="9890760" y="40687"/>
+            <a:ext cx="1554480" cy="601448"/>
+          </a:xfrm>
+          <a:prstGeom prst="rect">
+            <a:avLst/>
+          </a:prstGeom>
+          <a:noFill/>
+          <a:extLst>
+            <a:ext uri="{909E8E84-426E-40DD-AFC4-6F175D3DCCD1}">
+              <a14:hiddenFill xmlns:a14="http://schemas.microsoft.com/office/drawing/2010/main">
+                <a:solidFill>
+                  <a:srgbClr val="FFFFFF"/>
+                </a:solidFill>
+              </a14:hiddenFill>
+            </a:ext>
+          </a:extLst>
+        </p:spPr>
+      </p:pic>
       <p:sp>
         <p:nvSpPr>
-          <p:cNvPr id="8" name="TextBox 7">
-            <a:extLst>
-              <a:ext uri="{FF2B5EF4-FFF2-40B4-BE49-F238E27FC236}">
-                <a16:creationId xmlns:a16="http://schemas.microsoft.com/office/drawing/2014/main" id="{3020DE8D-E33C-47D7-8C72-0C3093FD020C}"/>
+          <p:cNvPr id="10" name="Subtitle 2">
+            <a:extLst>
+              <a:ext uri="{FF2B5EF4-FFF2-40B4-BE49-F238E27FC236}">
+                <a16:creationId xmlns:a16="http://schemas.microsoft.com/office/drawing/2014/main" id="{A5006650-BCF6-F87E-E31C-7A475E9C1DC2}"/>
+              </a:ext>
+            </a:extLst>
+          </p:cNvPr>
+          <p:cNvSpPr>
+            <a:spLocks noGrp="1"/>
+          </p:cNvSpPr>
+          <p:nvPr>
+            <p:ph type="subTitle" idx="1"/>
+          </p:nvPr>
+        </p:nvSpPr>
+        <p:spPr>
+          <a:xfrm>
+            <a:off x="343759" y="3602037"/>
+            <a:ext cx="11742821" cy="2184879"/>
+          </a:xfrm>
+        </p:spPr>
+        <p:txBody>
+          <a:bodyPr>
+            <a:normAutofit/>
+          </a:bodyPr>
+          <a:lstStyle/>
+          <a:p>
+            <a:pPr algn="ctr">
+              <a:lnSpc>
+                <a:spcPct val="100000"/>
+              </a:lnSpc>
+              <a:spcBef>
+                <a:spcPts val="0"/>
+              </a:spcBef>
+            </a:pPr>
+            <a:r>
+              <a:rPr lang="en-US" sz="2200" b="1" i="1" dirty="0"/>
+              <a:t>Talal Alshihayb</a:t>
+            </a:r>
+            <a:r>
+              <a:rPr lang="en-US" sz="2200" dirty="0"/>
+              <a:t> </a:t>
+            </a:r>
+            <a:r>
+              <a:rPr lang="en-US" sz="2200" baseline="30000" dirty="0"/>
+              <a:t>BDS, </a:t>
+            </a:r>
+            <a:r>
+              <a:rPr lang="en-US" sz="2200" baseline="30000" dirty="0" err="1"/>
+              <a:t>DScD</a:t>
+            </a:r>
+            <a:endParaRPr lang="en-US" sz="2200" baseline="30000" dirty="0"/>
+          </a:p>
+          <a:p>
+            <a:pPr algn="ctr">
+              <a:lnSpc>
+                <a:spcPct val="100000"/>
+              </a:lnSpc>
+              <a:spcBef>
+                <a:spcPts val="0"/>
+              </a:spcBef>
+            </a:pPr>
+            <a:r>
+              <a:rPr lang="en-US" sz="1900" dirty="0"/>
+              <a:t>Diplomate, American Board of Dental Public Health</a:t>
+            </a:r>
+          </a:p>
+          <a:p>
+            <a:pPr algn="ctr">
+              <a:lnSpc>
+                <a:spcPct val="100000"/>
+              </a:lnSpc>
+              <a:spcBef>
+                <a:spcPts val="0"/>
+              </a:spcBef>
+            </a:pPr>
+            <a:r>
+              <a:rPr lang="en-US" sz="1900" dirty="0"/>
+              <a:t>Assistant Professor</a:t>
+            </a:r>
+          </a:p>
+          <a:p>
+            <a:pPr algn="ctr">
+              <a:lnSpc>
+                <a:spcPct val="100000"/>
+              </a:lnSpc>
+              <a:spcBef>
+                <a:spcPts val="0"/>
+              </a:spcBef>
+            </a:pPr>
+            <a:r>
+              <a:rPr lang="en-US" sz="1800" dirty="0"/>
+              <a:t>Department of Preventive Dental Science, College of Dentistry, King Saud bin Abdulaziz University for Health Sciences</a:t>
+            </a:r>
+          </a:p>
+          <a:p>
+            <a:pPr algn="ctr">
+              <a:lnSpc>
+                <a:spcPct val="100000"/>
+              </a:lnSpc>
+              <a:spcBef>
+                <a:spcPts val="0"/>
+              </a:spcBef>
+            </a:pPr>
+            <a:r>
+              <a:rPr lang="en-US" sz="1800" dirty="0"/>
+              <a:t>Department of Health Policy and Health Services Research, Henry M. Goldman School of Dental Medicine, Boston University</a:t>
+            </a:r>
+          </a:p>
+          <a:p>
+            <a:endParaRPr lang="en-US" dirty="0"/>
+          </a:p>
+        </p:txBody>
+      </p:sp>
+      <p:sp>
+        <p:nvSpPr>
+          <p:cNvPr id="11" name="TextBox 10">
+            <a:extLst>
+              <a:ext uri="{FF2B5EF4-FFF2-40B4-BE49-F238E27FC236}">
+                <a16:creationId xmlns:a16="http://schemas.microsoft.com/office/drawing/2014/main" id="{E65068E6-40D4-C473-DD60-6E1C05F6B84C}"/>
               </a:ext>
             </a:extLst>
           </p:cNvPr>
@@ -6551,7 +6820,7 @@
         </p:nvSpPr>
         <p:spPr>
           <a:xfrm>
-            <a:off x="4848626" y="5417585"/>
+            <a:off x="4848626" y="5985162"/>
             <a:ext cx="2635623" cy="369332"/>
           </a:xfrm>
           <a:prstGeom prst="rect">
@@ -6572,42 +6841,57 @@
           </a:p>
         </p:txBody>
       </p:sp>
-      <p:pic>
-        <p:nvPicPr>
-          <p:cNvPr id="6" name="Picture 5" descr="A picture containing text, sign, room, gambling house&#10;&#10;Description automatically generated">
-            <a:extLst>
-              <a:ext uri="{FF2B5EF4-FFF2-40B4-BE49-F238E27FC236}">
-                <a16:creationId xmlns:a16="http://schemas.microsoft.com/office/drawing/2014/main" id="{5F0A3871-F91A-4EEB-961E-68BA2AAFF71D}"/>
-              </a:ext>
-            </a:extLst>
-          </p:cNvPr>
-          <p:cNvPicPr>
-            <a:picLocks noChangeAspect="1"/>
-          </p:cNvPicPr>
-          <p:nvPr/>
-        </p:nvPicPr>
-        <p:blipFill>
-          <a:blip r:embed="rId2">
-            <a:extLst>
-              <a:ext uri="{28A0092B-C50C-407E-A947-70E740481C1C}">
-                <a14:useLocalDpi xmlns:a14="http://schemas.microsoft.com/office/drawing/2010/main" val="0"/>
-              </a:ext>
-            </a:extLst>
-          </a:blip>
-          <a:stretch>
-            <a:fillRect/>
-          </a:stretch>
-        </p:blipFill>
-        <p:spPr>
-          <a:xfrm>
-            <a:off x="11500755" y="22997"/>
-            <a:ext cx="670620" cy="685800"/>
+      <p:sp>
+        <p:nvSpPr>
+          <p:cNvPr id="12" name="TextBox 11">
+            <a:extLst>
+              <a:ext uri="{FF2B5EF4-FFF2-40B4-BE49-F238E27FC236}">
+                <a16:creationId xmlns:a16="http://schemas.microsoft.com/office/drawing/2014/main" id="{D16DA6A1-C8AA-78EA-4ACC-F6B19D5B90BF}"/>
+              </a:ext>
+            </a:extLst>
+          </p:cNvPr>
+          <p:cNvSpPr txBox="1"/>
+          <p:nvPr/>
+        </p:nvSpPr>
+        <p:spPr>
+          <a:xfrm>
+            <a:off x="5001542" y="5575705"/>
+            <a:ext cx="2188916" cy="369332"/>
           </a:xfrm>
           <a:prstGeom prst="rect">
             <a:avLst/>
           </a:prstGeom>
-        </p:spPr>
-      </p:pic>
+          <a:noFill/>
+        </p:spPr>
+        <p:txBody>
+          <a:bodyPr wrap="square">
+            <a:spAutoFit/>
+          </a:bodyPr>
+          <a:lstStyle/>
+          <a:p>
+            <a:pPr algn="ctr">
+              <a:lnSpc>
+                <a:spcPct val="100000"/>
+              </a:lnSpc>
+              <a:spcBef>
+                <a:spcPts val="0"/>
+              </a:spcBef>
+            </a:pPr>
+            <a:r>
+              <a:rPr lang="en-US" sz="1800" b="1" dirty="0"/>
+              <a:t>January </a:t>
+            </a:r>
+            <a:r>
+              <a:rPr lang="en-US" b="1" dirty="0"/>
+              <a:t>4</a:t>
+            </a:r>
+            <a:r>
+              <a:rPr lang="en-US" sz="1800" b="1" dirty="0"/>
+              <a:t>, 2024</a:t>
+            </a:r>
+          </a:p>
+        </p:txBody>
+      </p:sp>
     </p:spTree>
     <p:extLst>
       <p:ext uri="{BB962C8B-B14F-4D97-AF65-F5344CB8AC3E}">
@@ -11461,9 +11745,41 @@
                 <a:ea typeface="MS Mincho" panose="02020609040205080304" pitchFamily="49" charset="-128"/>
                 <a:cs typeface="Times New Roman" panose="02020603050405020304" pitchFamily="18" charset="0"/>
               </a:rPr>
-              <a:t>: Handout.</a:t>
-            </a:r>
-            <a:endParaRPr lang="en-US" sz="2000" dirty="0">
+              <a:t>:</a:t>
+            </a:r>
+          </a:p>
+          <a:p>
+            <a:pPr marL="0" marR="0">
+              <a:spcBef>
+                <a:spcPts val="0"/>
+              </a:spcBef>
+              <a:spcAft>
+                <a:spcPts val="0"/>
+              </a:spcAft>
+              <a:buSzPct val="60000"/>
+            </a:pPr>
+            <a:r>
+              <a:rPr lang="en-US" sz="2400" dirty="0">
+                <a:ea typeface="MS Mincho" panose="02020609040205080304" pitchFamily="49" charset="-128"/>
+                <a:cs typeface="Times New Roman" panose="02020603050405020304" pitchFamily="18" charset="0"/>
+              </a:rPr>
+              <a:t>Chapters 1 and 2 in Sampling Design and Analysis 2</a:t>
+            </a:r>
+            <a:r>
+              <a:rPr lang="en-US" sz="2400" baseline="30000" dirty="0">
+                <a:ea typeface="MS Mincho" panose="02020609040205080304" pitchFamily="49" charset="-128"/>
+                <a:cs typeface="Times New Roman" panose="02020603050405020304" pitchFamily="18" charset="0"/>
+              </a:rPr>
+              <a:t>nd</a:t>
+            </a:r>
+            <a:r>
+              <a:rPr lang="en-US" sz="2400" dirty="0">
+                <a:ea typeface="MS Mincho" panose="02020609040205080304" pitchFamily="49" charset="-128"/>
+                <a:cs typeface="Times New Roman" panose="02020603050405020304" pitchFamily="18" charset="0"/>
+              </a:rPr>
+              <a:t> edition</a:t>
+            </a:r>
+            <a:endParaRPr lang="en-US" sz="2400" dirty="0">
               <a:effectLst/>
               <a:ea typeface="Times New Roman" panose="02020603050405020304" pitchFamily="18" charset="0"/>
             </a:endParaRPr>
